--- a/KaposTransit_Falka_Marietta.pptx
+++ b/KaposTransit_Falka_Marietta.pptx
@@ -5,15 +5,16 @@
     <p:sldMasterId id="2147483648" r:id="rId1"/>
   </p:sldMasterIdLst>
   <p:notesMasterIdLst>
-    <p:notesMasterId r:id="rId8"/>
+    <p:notesMasterId r:id="rId9"/>
   </p:notesMasterIdLst>
   <p:sldIdLst>
     <p:sldId id="256" r:id="rId2"/>
     <p:sldId id="258" r:id="rId3"/>
     <p:sldId id="259" r:id="rId4"/>
-    <p:sldId id="260" r:id="rId5"/>
-    <p:sldId id="261" r:id="rId6"/>
-    <p:sldId id="262" r:id="rId7"/>
+    <p:sldId id="263" r:id="rId5"/>
+    <p:sldId id="260" r:id="rId6"/>
+    <p:sldId id="261" r:id="rId7"/>
+    <p:sldId id="262" r:id="rId8"/>
   </p:sldIdLst>
   <p:sldSz cx="12192000" cy="6858000"/>
   <p:notesSz cx="6858000" cy="9144000"/>
@@ -3964,7 +3965,7 @@
         </p:nvSpPr>
         <p:spPr>
           <a:xfrm>
-            <a:off x="4749830" y="4268306"/>
+            <a:off x="4749830" y="6488668"/>
             <a:ext cx="2692340" cy="369332"/>
           </a:xfrm>
           <a:prstGeom prst="rect">
@@ -3981,14 +3982,18 @@
             <a:r>
               <a:rPr lang="hu-HU" dirty="0">
                 <a:solidFill>
-                  <a:schemeClr val="bg1"/>
+                  <a:schemeClr val="bg2">
+                    <a:lumMod val="50000"/>
+                  </a:schemeClr>
                 </a:solidFill>
               </a:rPr>
               <a:t>Készítette: Falka Marietta</a:t>
             </a:r>
             <a:endParaRPr lang="en-GB" dirty="0">
               <a:solidFill>
-                <a:schemeClr val="bg1"/>
+                <a:schemeClr val="bg2">
+                  <a:lumMod val="50000"/>
+                </a:schemeClr>
               </a:solidFill>
             </a:endParaRPr>
           </a:p>
@@ -4004,14 +4009,9 @@
   <p:clrMapOvr>
     <a:masterClrMapping/>
   </p:clrMapOvr>
-  <mc:AlternateContent xmlns:mc="http://schemas.openxmlformats.org/markup-compatibility/2006">
-    <mc:Choice xmlns:p14="http://schemas.microsoft.com/office/powerpoint/2010/main" Requires="p14">
-      <p:transition p14:dur="0"/>
-    </mc:Choice>
-    <mc:Fallback>
-      <p:transition/>
-    </mc:Fallback>
-  </mc:AlternateContent>
+  <p:transition spd="slow">
+    <p:push dir="u"/>
+  </p:transition>
 </p:sld>
 </file>
 
@@ -5130,7 +5130,7 @@
               <a:defRPr/>
             </a:pPr>
             <a:r>
-              <a:rPr lang="hu-HU" sz="2000" dirty="0">
+              <a:rPr lang="hu-HU" sz="2400" dirty="0">
                 <a:solidFill>
                   <a:prstClr val="black"/>
                 </a:solidFill>
@@ -5138,7 +5138,7 @@
               </a:rPr>
               <a:t>Változó nevek</a:t>
             </a:r>
-            <a:endParaRPr kumimoji="0" lang="hu-HU" sz="2000" b="0" i="0" u="none" strike="noStrike" kern="1200" cap="none" spc="0" normalizeH="0" baseline="0" noProof="0" dirty="0">
+            <a:endParaRPr kumimoji="0" lang="hu-HU" sz="2400" b="0" i="0" u="none" strike="noStrike" kern="1200" cap="none" spc="0" normalizeH="0" baseline="0" noProof="0" dirty="0">
               <a:ln>
                 <a:noFill/>
               </a:ln>
@@ -5149,8 +5149,6 @@
               <a:uLnTx/>
               <a:uFillTx/>
               <a:latin typeface="Arial Nova" panose="020B0504020202020204" pitchFamily="34" charset="0"/>
-              <a:ea typeface="+mn-ea"/>
-              <a:cs typeface="+mn-cs"/>
             </a:endParaRPr>
           </a:p>
         </p:txBody>
@@ -5214,7 +5212,7 @@
               <a:defRPr/>
             </a:pPr>
             <a:r>
-              <a:rPr kumimoji="0" lang="hu-HU" sz="2000" b="0" i="0" u="none" strike="noStrike" kern="1200" cap="none" spc="0" normalizeH="0" baseline="0" noProof="0" dirty="0">
+              <a:rPr kumimoji="0" lang="hu-HU" sz="2400" b="0" i="0" u="none" strike="noStrike" kern="1200" cap="none" spc="0" normalizeH="0" baseline="0" noProof="0" dirty="0">
                 <a:ln>
                   <a:noFill/>
                 </a:ln>
@@ -5292,7 +5290,7 @@
               <a:defRPr/>
             </a:pPr>
             <a:r>
-              <a:rPr kumimoji="0" lang="hu-HU" sz="2000" b="0" i="0" u="none" strike="noStrike" kern="1200" cap="none" spc="0" normalizeH="0" baseline="0" noProof="0" dirty="0">
+              <a:rPr kumimoji="0" lang="hu-HU" sz="2400" b="0" i="0" u="none" strike="noStrike" kern="1200" cap="none" spc="0" normalizeH="0" baseline="0" noProof="0" dirty="0">
                 <a:ln>
                   <a:noFill/>
                 </a:ln>
@@ -5696,6 +5694,204 @@
   <p:cSld>
     <p:spTree>
       <p:nvGrpSpPr>
+        <p:cNvPr id="1" name="">
+          <a:extLst>
+            <a:ext uri="{FF2B5EF4-FFF2-40B4-BE49-F238E27FC236}">
+              <a16:creationId xmlns:a16="http://schemas.microsoft.com/office/drawing/2014/main" id="{6959E07A-DC5C-1A6B-C305-1B324F28EAF5}"/>
+            </a:ext>
+          </a:extLst>
+        </p:cNvPr>
+        <p:cNvGrpSpPr/>
+        <p:nvPr/>
+      </p:nvGrpSpPr>
+      <p:grpSpPr>
+        <a:xfrm>
+          <a:off x="0" y="0"/>
+          <a:ext cx="0" cy="0"/>
+          <a:chOff x="0" y="0"/>
+          <a:chExt cx="0" cy="0"/>
+        </a:xfrm>
+      </p:grpSpPr>
+      <p:sp>
+        <p:nvSpPr>
+          <p:cNvPr id="2" name="Cím 1">
+            <a:extLst>
+              <a:ext uri="{FF2B5EF4-FFF2-40B4-BE49-F238E27FC236}">
+                <a16:creationId xmlns:a16="http://schemas.microsoft.com/office/drawing/2014/main" id="{662AF0B7-3040-225C-D368-628F287121EB}"/>
+              </a:ext>
+            </a:extLst>
+          </p:cNvPr>
+          <p:cNvSpPr>
+            <a:spLocks noGrp="1"/>
+          </p:cNvSpPr>
+          <p:nvPr>
+            <p:ph type="title"/>
+          </p:nvPr>
+        </p:nvSpPr>
+        <p:spPr>
+          <a:xfrm>
+            <a:off x="838200" y="365125"/>
+            <a:ext cx="10515600" cy="1325563"/>
+          </a:xfrm>
+        </p:spPr>
+        <p:txBody>
+          <a:bodyPr anchor="ctr">
+            <a:normAutofit/>
+          </a:bodyPr>
+          <a:lstStyle/>
+          <a:p>
+            <a:r>
+              <a:rPr lang="hu-HU" dirty="0"/>
+              <a:t>Forráskód</a:t>
+            </a:r>
+            <a:endParaRPr lang="en-GB" dirty="0"/>
+          </a:p>
+        </p:txBody>
+      </p:sp>
+      <p:pic>
+        <p:nvPicPr>
+          <p:cNvPr id="10" name="Kép 9" descr="A képen szöveg, képernyőkép látható&#10;&#10;Előfordulhat, hogy a mesterséges intelligencia által létrehozott tartalom helytelen.">
+            <a:extLst>
+              <a:ext uri="{FF2B5EF4-FFF2-40B4-BE49-F238E27FC236}">
+                <a16:creationId xmlns:a16="http://schemas.microsoft.com/office/drawing/2014/main" id="{5562F743-4562-3343-B8BA-97F296F507A8}"/>
+              </a:ext>
+            </a:extLst>
+          </p:cNvPr>
+          <p:cNvPicPr>
+            <a:picLocks noChangeAspect="1"/>
+          </p:cNvPicPr>
+          <p:nvPr/>
+        </p:nvPicPr>
+        <p:blipFill>
+          <a:blip r:embed="rId2">
+            <a:extLst>
+              <a:ext uri="{28A0092B-C50C-407E-A947-70E740481C1C}">
+                <a14:useLocalDpi xmlns:a14="http://schemas.microsoft.com/office/drawing/2010/main" val="0"/>
+              </a:ext>
+            </a:extLst>
+          </a:blip>
+          <a:stretch>
+            <a:fillRect/>
+          </a:stretch>
+        </p:blipFill>
+        <p:spPr>
+          <a:xfrm>
+            <a:off x="1563357" y="1825625"/>
+            <a:ext cx="9065287" cy="4351338"/>
+          </a:xfrm>
+          <a:prstGeom prst="rect">
+            <a:avLst/>
+          </a:prstGeom>
+          <a:noFill/>
+        </p:spPr>
+      </p:pic>
+      <p:sp>
+        <p:nvSpPr>
+          <p:cNvPr id="4" name="Élőláb helye 3">
+            <a:extLst>
+              <a:ext uri="{FF2B5EF4-FFF2-40B4-BE49-F238E27FC236}">
+                <a16:creationId xmlns:a16="http://schemas.microsoft.com/office/drawing/2014/main" id="{A6229F51-6B88-F718-3EDB-790F80294089}"/>
+              </a:ext>
+            </a:extLst>
+          </p:cNvPr>
+          <p:cNvSpPr>
+            <a:spLocks noGrp="1"/>
+          </p:cNvSpPr>
+          <p:nvPr>
+            <p:ph type="ftr" sz="quarter" idx="11"/>
+          </p:nvPr>
+        </p:nvSpPr>
+        <p:spPr>
+          <a:xfrm>
+            <a:off x="4038600" y="6356350"/>
+            <a:ext cx="4114800" cy="365125"/>
+          </a:xfrm>
+        </p:spPr>
+        <p:txBody>
+          <a:bodyPr anchor="ctr">
+            <a:normAutofit/>
+          </a:bodyPr>
+          <a:lstStyle/>
+          <a:p>
+            <a:pPr>
+              <a:spcAft>
+                <a:spcPts val="600"/>
+              </a:spcAft>
+            </a:pPr>
+            <a:r>
+              <a:rPr lang="en-GB"/>
+              <a:t>Készítette: Falka Marietta</a:t>
+            </a:r>
+          </a:p>
+        </p:txBody>
+      </p:sp>
+      <p:sp>
+        <p:nvSpPr>
+          <p:cNvPr id="5" name="Dia számának helye 4">
+            <a:extLst>
+              <a:ext uri="{FF2B5EF4-FFF2-40B4-BE49-F238E27FC236}">
+                <a16:creationId xmlns:a16="http://schemas.microsoft.com/office/drawing/2014/main" id="{628FC919-1EFA-C7F9-C336-877045736532}"/>
+              </a:ext>
+            </a:extLst>
+          </p:cNvPr>
+          <p:cNvSpPr>
+            <a:spLocks noGrp="1"/>
+          </p:cNvSpPr>
+          <p:nvPr>
+            <p:ph type="sldNum" sz="quarter" idx="12"/>
+          </p:nvPr>
+        </p:nvSpPr>
+        <p:spPr>
+          <a:xfrm>
+            <a:off x="8610600" y="6356350"/>
+            <a:ext cx="2743200" cy="365125"/>
+          </a:xfrm>
+        </p:spPr>
+        <p:txBody>
+          <a:bodyPr anchor="ctr">
+            <a:normAutofit/>
+          </a:bodyPr>
+          <a:lstStyle/>
+          <a:p>
+            <a:pPr>
+              <a:spcAft>
+                <a:spcPts val="600"/>
+              </a:spcAft>
+            </a:pPr>
+            <a:fld id="{20B2DF46-4AFC-4F3E-BBA6-C260DF383D5C}" type="slidenum">
+              <a:rPr lang="en-GB" smtClean="0"/>
+              <a:pPr>
+                <a:spcAft>
+                  <a:spcPts val="600"/>
+                </a:spcAft>
+              </a:pPr>
+              <a:t>4</a:t>
+            </a:fld>
+            <a:endParaRPr lang="en-GB"/>
+          </a:p>
+        </p:txBody>
+      </p:sp>
+    </p:spTree>
+    <p:extLst>
+      <p:ext uri="{BB962C8B-B14F-4D97-AF65-F5344CB8AC3E}">
+        <p14:creationId xmlns:p14="http://schemas.microsoft.com/office/powerpoint/2010/main" val="499494663"/>
+      </p:ext>
+    </p:extLst>
+  </p:cSld>
+  <p:clrMapOvr>
+    <a:masterClrMapping/>
+  </p:clrMapOvr>
+  <p:transition spd="slow">
+    <p:push dir="u"/>
+  </p:transition>
+</p:sld>
+</file>
+
+<file path=ppt/slides/slide5.xml><?xml version="1.0" encoding="utf-8"?>
+<p:sld xmlns:a="http://schemas.openxmlformats.org/drawingml/2006/main" xmlns:r="http://schemas.openxmlformats.org/officeDocument/2006/relationships" xmlns:p="http://schemas.openxmlformats.org/presentationml/2006/main">
+  <p:cSld>
+    <p:spTree>
+      <p:nvGrpSpPr>
         <p:cNvPr id="1" name=""/>
         <p:cNvGrpSpPr/>
         <p:nvPr/>
@@ -5792,7 +5988,7 @@
           <a:p>
             <a:fld id="{20B2DF46-4AFC-4F3E-BBA6-C260DF383D5C}" type="slidenum">
               <a:rPr lang="en-GB" smtClean="0"/>
-              <a:t>4</a:t>
+              <a:t>5</a:t>
             </a:fld>
             <a:endParaRPr lang="en-GB"/>
           </a:p>
@@ -5863,23 +6059,6 @@
               <a:defRPr/>
             </a:pPr>
             <a:r>
-              <a:rPr kumimoji="0" lang="hu-HU" sz="2800" b="0" i="0" u="none" strike="noStrike" kern="1200" cap="none" spc="0" normalizeH="0" baseline="0" noProof="0" dirty="0" err="1">
-                <a:ln>
-                  <a:noFill/>
-                </a:ln>
-                <a:solidFill>
-                  <a:prstClr val="black"/>
-                </a:solidFill>
-                <a:effectLst/>
-                <a:uLnTx/>
-                <a:uFillTx/>
-                <a:latin typeface="Arial Nova" panose="020B0504020202020204" pitchFamily="34" charset="0"/>
-                <a:ea typeface="+mn-ea"/>
-                <a:cs typeface="+mn-cs"/>
-              </a:rPr>
-              <a:t>Git</a:t>
-            </a:r>
-            <a:r>
               <a:rPr kumimoji="0" lang="hu-HU" sz="2800" b="0" i="0" u="none" strike="noStrike" kern="1200" cap="none" spc="0" normalizeH="0" baseline="0" noProof="0" dirty="0">
                 <a:ln>
                   <a:noFill/>
@@ -5894,7 +6073,7 @@
                 <a:ea typeface="+mn-ea"/>
                 <a:cs typeface="+mn-cs"/>
               </a:rPr>
-              <a:t> </a:t>
+              <a:t>GitHub </a:t>
             </a:r>
             <a:r>
               <a:rPr kumimoji="0" lang="hu-HU" sz="2800" b="0" i="0" u="none" strike="noStrike" kern="1200" cap="none" spc="0" normalizeH="0" baseline="0" noProof="0" dirty="0" err="1">
@@ -6296,6 +6475,114 @@
           </a:p>
         </p:txBody>
       </p:sp>
+      <p:pic>
+        <p:nvPicPr>
+          <p:cNvPr id="10" name="Kép 9" descr="A képen Grafika, szimbólum, clipart, embléma látható&#10;&#10;Előfordulhat, hogy a mesterséges intelligencia által létrehozott tartalom helytelen.">
+            <a:extLst>
+              <a:ext uri="{FF2B5EF4-FFF2-40B4-BE49-F238E27FC236}">
+                <a16:creationId xmlns:a16="http://schemas.microsoft.com/office/drawing/2014/main" id="{EF205DDE-6D4E-8057-D1B6-FAA34A8C8C04}"/>
+              </a:ext>
+            </a:extLst>
+          </p:cNvPr>
+          <p:cNvPicPr>
+            <a:picLocks noChangeAspect="1"/>
+          </p:cNvPicPr>
+          <p:nvPr/>
+        </p:nvPicPr>
+        <p:blipFill>
+          <a:blip r:embed="rId2">
+            <a:extLst>
+              <a:ext uri="{28A0092B-C50C-407E-A947-70E740481C1C}">
+                <a14:useLocalDpi xmlns:a14="http://schemas.microsoft.com/office/drawing/2010/main" val="0"/>
+              </a:ext>
+            </a:extLst>
+          </a:blip>
+          <a:stretch>
+            <a:fillRect/>
+          </a:stretch>
+        </p:blipFill>
+        <p:spPr>
+          <a:xfrm>
+            <a:off x="9817472" y="3483519"/>
+            <a:ext cx="1193288" cy="1080000"/>
+          </a:xfrm>
+          <a:prstGeom prst="rect">
+            <a:avLst/>
+          </a:prstGeom>
+        </p:spPr>
+      </p:pic>
+      <p:pic>
+        <p:nvPicPr>
+          <p:cNvPr id="14" name="Kép 13" descr="A képen macska, emlős, sziluett látható&#10;&#10;Előfordulhat, hogy a mesterséges intelligencia által létrehozott tartalom helytelen.">
+            <a:extLst>
+              <a:ext uri="{FF2B5EF4-FFF2-40B4-BE49-F238E27FC236}">
+                <a16:creationId xmlns:a16="http://schemas.microsoft.com/office/drawing/2014/main" id="{002575A3-AB4A-90B6-0F52-D22B7DAB1E70}"/>
+              </a:ext>
+            </a:extLst>
+          </p:cNvPr>
+          <p:cNvPicPr>
+            <a:picLocks noChangeAspect="1"/>
+          </p:cNvPicPr>
+          <p:nvPr/>
+        </p:nvPicPr>
+        <p:blipFill>
+          <a:blip r:embed="rId3">
+            <a:extLst>
+              <a:ext uri="{28A0092B-C50C-407E-A947-70E740481C1C}">
+                <a14:useLocalDpi xmlns:a14="http://schemas.microsoft.com/office/drawing/2010/main" val="0"/>
+              </a:ext>
+            </a:extLst>
+          </a:blip>
+          <a:stretch>
+            <a:fillRect/>
+          </a:stretch>
+        </p:blipFill>
+        <p:spPr>
+          <a:xfrm>
+            <a:off x="9923099" y="2058368"/>
+            <a:ext cx="982033" cy="936000"/>
+          </a:xfrm>
+          <a:prstGeom prst="rect">
+            <a:avLst/>
+          </a:prstGeom>
+        </p:spPr>
+      </p:pic>
+      <p:pic>
+        <p:nvPicPr>
+          <p:cNvPr id="20" name="Kép 19" descr="A képen Grafika, tervezés látható&#10;&#10;Előfordulhat, hogy a mesterséges intelligencia által létrehozott tartalom helytelen.">
+            <a:extLst>
+              <a:ext uri="{FF2B5EF4-FFF2-40B4-BE49-F238E27FC236}">
+                <a16:creationId xmlns:a16="http://schemas.microsoft.com/office/drawing/2014/main" id="{9E0B4590-2C9A-6D4E-943F-35D9E0F3F9FD}"/>
+              </a:ext>
+            </a:extLst>
+          </p:cNvPr>
+          <p:cNvPicPr>
+            <a:picLocks noChangeAspect="1"/>
+          </p:cNvPicPr>
+          <p:nvPr/>
+        </p:nvPicPr>
+        <p:blipFill>
+          <a:blip r:embed="rId4">
+            <a:extLst>
+              <a:ext uri="{28A0092B-C50C-407E-A947-70E740481C1C}">
+                <a14:useLocalDpi xmlns:a14="http://schemas.microsoft.com/office/drawing/2010/main" val="0"/>
+              </a:ext>
+            </a:extLst>
+          </a:blip>
+          <a:stretch>
+            <a:fillRect/>
+          </a:stretch>
+        </p:blipFill>
+        <p:spPr>
+          <a:xfrm>
+            <a:off x="9923099" y="4980670"/>
+            <a:ext cx="1080000" cy="1080000"/>
+          </a:xfrm>
+          <a:prstGeom prst="rect">
+            <a:avLst/>
+          </a:prstGeom>
+        </p:spPr>
+      </p:pic>
     </p:spTree>
     <p:extLst>
       <p:ext uri="{BB962C8B-B14F-4D97-AF65-F5344CB8AC3E}">
@@ -6620,7 +6907,7 @@
 </p:sld>
 </file>
 
-<file path=ppt/slides/slide5.xml><?xml version="1.0" encoding="utf-8"?>
+<file path=ppt/slides/slide6.xml><?xml version="1.0" encoding="utf-8"?>
 <p:sld xmlns:a="http://schemas.openxmlformats.org/drawingml/2006/main" xmlns:r="http://schemas.openxmlformats.org/officeDocument/2006/relationships" xmlns:p="http://schemas.openxmlformats.org/presentationml/2006/main">
   <p:cSld>
     <p:spTree>
@@ -6731,7 +7018,7 @@
           <a:p>
             <a:fld id="{20B2DF46-4AFC-4F3E-BBA6-C260DF383D5C}" type="slidenum">
               <a:rPr lang="en-GB" smtClean="0"/>
-              <a:t>5</a:t>
+              <a:t>6</a:t>
             </a:fld>
             <a:endParaRPr lang="en-GB"/>
           </a:p>
@@ -7681,7 +7968,7 @@
 </p:sld>
 </file>
 
-<file path=ppt/slides/slide6.xml><?xml version="1.0" encoding="utf-8"?>
+<file path=ppt/slides/slide7.xml><?xml version="1.0" encoding="utf-8"?>
 <p:sld xmlns:a="http://schemas.openxmlformats.org/drawingml/2006/main" xmlns:r="http://schemas.openxmlformats.org/officeDocument/2006/relationships" xmlns:p="http://schemas.openxmlformats.org/presentationml/2006/main">
   <p:cSld>
     <p:spTree>
